--- a/assignments/sample_poster.pptx
+++ b/assignments/sample_poster.pptx
@@ -5056,15 +5056,15 @@
           <a:p>
             <a:r>
               <a:rPr lang="en-US" sz="4400" dirty="0"/>
-              <a:t>This result will be useful for </a:t>
+              <a:t>This </a:t>
             </a:r>
             <a:r>
               <a:rPr lang="en-US" sz="4400"/>
-              <a:t>the freshman </a:t>
+              <a:t>result may </a:t>
             </a:r>
             <a:r>
               <a:rPr lang="en-US" sz="4400" dirty="0"/>
-              <a:t>who seek balance between study time and club activities. </a:t>
+              <a:t>be useful for the freshman who seek balance between study time and club activities. </a:t>
             </a:r>
           </a:p>
         </p:txBody>
